--- a/Inspiration.pptx
+++ b/Inspiration.pptx
@@ -7,6 +7,8 @@
   <p:sldIdLst>
     <p:sldId id="256" r:id="rId2"/>
     <p:sldId id="257" r:id="rId3"/>
+    <p:sldId id="258" r:id="rId4"/>
+    <p:sldId id="259" r:id="rId5"/>
   </p:sldIdLst>
   <p:sldSz cx="12192000" cy="6858000"/>
   <p:notesSz cx="6858000" cy="9144000"/>
@@ -105,6 +107,11 @@
       </a:defRPr>
     </a:lvl9pPr>
   </p:defaultTextStyle>
+  <p:extLst>
+    <p:ext uri="{EFAFB233-063F-42B5-8137-9DF3F51BA10A}">
+      <p15:sldGuideLst xmlns:p15="http://schemas.microsoft.com/office/powerpoint/2012/main"/>
+    </p:ext>
+  </p:extLst>
 </p:presentation>
 </file>
 
@@ -257,7 +264,7 @@
           <a:p>
             <a:fld id="{D41BD81E-76D9-47D6-8C48-3569A0386CAC}" type="datetimeFigureOut">
               <a:rPr lang="en-GB" smtClean="0"/>
-              <a:t>22/02/2022</a:t>
+              <a:t>23/02/2022</a:t>
             </a:fld>
             <a:endParaRPr lang="en-GB"/>
           </a:p>
@@ -457,7 +464,7 @@
           <a:p>
             <a:fld id="{D41BD81E-76D9-47D6-8C48-3569A0386CAC}" type="datetimeFigureOut">
               <a:rPr lang="en-GB" smtClean="0"/>
-              <a:t>22/02/2022</a:t>
+              <a:t>23/02/2022</a:t>
             </a:fld>
             <a:endParaRPr lang="en-GB"/>
           </a:p>
@@ -667,7 +674,7 @@
           <a:p>
             <a:fld id="{D41BD81E-76D9-47D6-8C48-3569A0386CAC}" type="datetimeFigureOut">
               <a:rPr lang="en-GB" smtClean="0"/>
-              <a:t>22/02/2022</a:t>
+              <a:t>23/02/2022</a:t>
             </a:fld>
             <a:endParaRPr lang="en-GB"/>
           </a:p>
@@ -867,7 +874,7 @@
           <a:p>
             <a:fld id="{D41BD81E-76D9-47D6-8C48-3569A0386CAC}" type="datetimeFigureOut">
               <a:rPr lang="en-GB" smtClean="0"/>
-              <a:t>22/02/2022</a:t>
+              <a:t>23/02/2022</a:t>
             </a:fld>
             <a:endParaRPr lang="en-GB"/>
           </a:p>
@@ -1143,7 +1150,7 @@
           <a:p>
             <a:fld id="{D41BD81E-76D9-47D6-8C48-3569A0386CAC}" type="datetimeFigureOut">
               <a:rPr lang="en-GB" smtClean="0"/>
-              <a:t>22/02/2022</a:t>
+              <a:t>23/02/2022</a:t>
             </a:fld>
             <a:endParaRPr lang="en-GB"/>
           </a:p>
@@ -1411,7 +1418,7 @@
           <a:p>
             <a:fld id="{D41BD81E-76D9-47D6-8C48-3569A0386CAC}" type="datetimeFigureOut">
               <a:rPr lang="en-GB" smtClean="0"/>
-              <a:t>22/02/2022</a:t>
+              <a:t>23/02/2022</a:t>
             </a:fld>
             <a:endParaRPr lang="en-GB"/>
           </a:p>
@@ -1826,7 +1833,7 @@
           <a:p>
             <a:fld id="{D41BD81E-76D9-47D6-8C48-3569A0386CAC}" type="datetimeFigureOut">
               <a:rPr lang="en-GB" smtClean="0"/>
-              <a:t>22/02/2022</a:t>
+              <a:t>23/02/2022</a:t>
             </a:fld>
             <a:endParaRPr lang="en-GB"/>
           </a:p>
@@ -1968,7 +1975,7 @@
           <a:p>
             <a:fld id="{D41BD81E-76D9-47D6-8C48-3569A0386CAC}" type="datetimeFigureOut">
               <a:rPr lang="en-GB" smtClean="0"/>
-              <a:t>22/02/2022</a:t>
+              <a:t>23/02/2022</a:t>
             </a:fld>
             <a:endParaRPr lang="en-GB"/>
           </a:p>
@@ -2081,7 +2088,7 @@
           <a:p>
             <a:fld id="{D41BD81E-76D9-47D6-8C48-3569A0386CAC}" type="datetimeFigureOut">
               <a:rPr lang="en-GB" smtClean="0"/>
-              <a:t>22/02/2022</a:t>
+              <a:t>23/02/2022</a:t>
             </a:fld>
             <a:endParaRPr lang="en-GB"/>
           </a:p>
@@ -2394,7 +2401,7 @@
           <a:p>
             <a:fld id="{D41BD81E-76D9-47D6-8C48-3569A0386CAC}" type="datetimeFigureOut">
               <a:rPr lang="en-GB" smtClean="0"/>
-              <a:t>22/02/2022</a:t>
+              <a:t>23/02/2022</a:t>
             </a:fld>
             <a:endParaRPr lang="en-GB"/>
           </a:p>
@@ -2683,7 +2690,7 @@
           <a:p>
             <a:fld id="{D41BD81E-76D9-47D6-8C48-3569A0386CAC}" type="datetimeFigureOut">
               <a:rPr lang="en-GB" smtClean="0"/>
-              <a:t>22/02/2022</a:t>
+              <a:t>23/02/2022</a:t>
             </a:fld>
             <a:endParaRPr lang="en-GB"/>
           </a:p>
@@ -2926,7 +2933,7 @@
           <a:p>
             <a:fld id="{D41BD81E-76D9-47D6-8C48-3569A0386CAC}" type="datetimeFigureOut">
               <a:rPr lang="en-GB" smtClean="0"/>
-              <a:t>22/02/2022</a:t>
+              <a:t>23/02/2022</a:t>
             </a:fld>
             <a:endParaRPr lang="en-GB"/>
           </a:p>
@@ -5649,6 +5656,962 @@
 </p:sld>
 </file>
 
+<file path=ppt/slides/slide3.xml><?xml version="1.0" encoding="utf-8"?>
+<p:sld xmlns:a="http://schemas.openxmlformats.org/drawingml/2006/main" xmlns:r="http://schemas.openxmlformats.org/officeDocument/2006/relationships" xmlns:p="http://schemas.openxmlformats.org/presentationml/2006/main">
+  <p:cSld>
+    <p:spTree>
+      <p:nvGrpSpPr>
+        <p:cNvPr id="1" name=""/>
+        <p:cNvGrpSpPr/>
+        <p:nvPr/>
+      </p:nvGrpSpPr>
+      <p:grpSpPr>
+        <a:xfrm>
+          <a:off x="0" y="0"/>
+          <a:ext cx="0" cy="0"/>
+          <a:chOff x="0" y="0"/>
+          <a:chExt cx="0" cy="0"/>
+        </a:xfrm>
+      </p:grpSpPr>
+      <p:sp>
+        <p:nvSpPr>
+          <p:cNvPr id="2" name="Title 1">
+            <a:extLst>
+              <a:ext uri="{FF2B5EF4-FFF2-40B4-BE49-F238E27FC236}">
+                <a16:creationId xmlns:a16="http://schemas.microsoft.com/office/drawing/2014/main" id="{D50299BE-8E30-43AA-8163-D8080B518578}"/>
+              </a:ext>
+            </a:extLst>
+          </p:cNvPr>
+          <p:cNvSpPr>
+            <a:spLocks noGrp="1"/>
+          </p:cNvSpPr>
+          <p:nvPr>
+            <p:ph type="title"/>
+          </p:nvPr>
+        </p:nvSpPr>
+        <p:spPr/>
+        <p:txBody>
+          <a:bodyPr/>
+          <a:lstStyle/>
+          <a:p>
+            <a:endParaRPr lang="en-GB"/>
+          </a:p>
+        </p:txBody>
+      </p:sp>
+      <p:sp>
+        <p:nvSpPr>
+          <p:cNvPr id="3" name="Content Placeholder 2">
+            <a:extLst>
+              <a:ext uri="{FF2B5EF4-FFF2-40B4-BE49-F238E27FC236}">
+                <a16:creationId xmlns:a16="http://schemas.microsoft.com/office/drawing/2014/main" id="{7BC79451-4802-4FF8-90DD-C0900C3DD8F8}"/>
+              </a:ext>
+            </a:extLst>
+          </p:cNvPr>
+          <p:cNvSpPr>
+            <a:spLocks noGrp="1"/>
+          </p:cNvSpPr>
+          <p:nvPr>
+            <p:ph idx="1"/>
+          </p:nvPr>
+        </p:nvSpPr>
+        <p:spPr/>
+        <p:txBody>
+          <a:bodyPr/>
+          <a:lstStyle/>
+          <a:p>
+            <a:endParaRPr lang="en-GB"/>
+          </a:p>
+        </p:txBody>
+      </p:sp>
+    </p:spTree>
+    <p:extLst>
+      <p:ext uri="{BB962C8B-B14F-4D97-AF65-F5344CB8AC3E}">
+        <p14:creationId xmlns:p14="http://schemas.microsoft.com/office/powerpoint/2010/main" val="610114951"/>
+      </p:ext>
+    </p:extLst>
+  </p:cSld>
+  <p:clrMapOvr>
+    <a:masterClrMapping/>
+  </p:clrMapOvr>
+</p:sld>
+</file>
+
+<file path=ppt/slides/slide4.xml><?xml version="1.0" encoding="utf-8"?>
+<p:sld xmlns:a="http://schemas.openxmlformats.org/drawingml/2006/main" xmlns:r="http://schemas.openxmlformats.org/officeDocument/2006/relationships" xmlns:p="http://schemas.openxmlformats.org/presentationml/2006/main">
+  <p:cSld>
+    <p:spTree>
+      <p:nvGrpSpPr>
+        <p:cNvPr id="1" name=""/>
+        <p:cNvGrpSpPr/>
+        <p:nvPr/>
+      </p:nvGrpSpPr>
+      <p:grpSpPr>
+        <a:xfrm>
+          <a:off x="0" y="0"/>
+          <a:ext cx="0" cy="0"/>
+          <a:chOff x="0" y="0"/>
+          <a:chExt cx="0" cy="0"/>
+        </a:xfrm>
+      </p:grpSpPr>
+      <p:pic>
+        <p:nvPicPr>
+          <p:cNvPr id="1026" name="Picture 2" descr="The Vikings in York – Medieval Studies at York">
+            <a:extLst>
+              <a:ext uri="{FF2B5EF4-FFF2-40B4-BE49-F238E27FC236}">
+                <a16:creationId xmlns:a16="http://schemas.microsoft.com/office/drawing/2014/main" id="{2D354E6E-989A-4C8A-91CA-698DAB39BD11}"/>
+              </a:ext>
+            </a:extLst>
+          </p:cNvPr>
+          <p:cNvPicPr>
+            <a:picLocks noChangeAspect="1" noChangeArrowheads="1"/>
+          </p:cNvPicPr>
+          <p:nvPr/>
+        </p:nvPicPr>
+        <p:blipFill>
+          <a:blip r:embed="rId2">
+            <a:extLst>
+              <a:ext uri="{28A0092B-C50C-407E-A947-70E740481C1C}">
+                <a14:useLocalDpi xmlns:a14="http://schemas.microsoft.com/office/drawing/2010/main" val="0"/>
+              </a:ext>
+            </a:extLst>
+          </a:blip>
+          <a:srcRect/>
+          <a:stretch>
+            <a:fillRect/>
+          </a:stretch>
+        </p:blipFill>
+        <p:spPr bwMode="auto">
+          <a:xfrm>
+            <a:off x="238125" y="0"/>
+            <a:ext cx="2571750" cy="1714500"/>
+          </a:xfrm>
+          <a:prstGeom prst="rect">
+            <a:avLst/>
+          </a:prstGeom>
+          <a:noFill/>
+          <a:extLst>
+            <a:ext uri="{909E8E84-426E-40DD-AFC4-6F175D3DCCD1}">
+              <a14:hiddenFill xmlns:a14="http://schemas.microsoft.com/office/drawing/2010/main">
+                <a:solidFill>
+                  <a:srgbClr val="FFFFFF"/>
+                </a:solidFill>
+              </a14:hiddenFill>
+            </a:ext>
+          </a:extLst>
+        </p:spPr>
+      </p:pic>
+      <p:pic>
+        <p:nvPicPr>
+          <p:cNvPr id="1028" name="Picture 4" descr="Medieval Scandinavian Warrior Viking Full Outfit Stock Photo (Edit Now)  641585887">
+            <a:extLst>
+              <a:ext uri="{FF2B5EF4-FFF2-40B4-BE49-F238E27FC236}">
+                <a16:creationId xmlns:a16="http://schemas.microsoft.com/office/drawing/2014/main" id="{74CF2851-2C57-439C-8F2E-43975EAC182E}"/>
+              </a:ext>
+            </a:extLst>
+          </p:cNvPr>
+          <p:cNvPicPr>
+            <a:picLocks noChangeAspect="1" noChangeArrowheads="1"/>
+          </p:cNvPicPr>
+          <p:nvPr/>
+        </p:nvPicPr>
+        <p:blipFill>
+          <a:blip r:embed="rId3">
+            <a:extLst>
+              <a:ext uri="{28A0092B-C50C-407E-A947-70E740481C1C}">
+                <a14:useLocalDpi xmlns:a14="http://schemas.microsoft.com/office/drawing/2010/main" val="0"/>
+              </a:ext>
+            </a:extLst>
+          </a:blip>
+          <a:srcRect/>
+          <a:stretch>
+            <a:fillRect/>
+          </a:stretch>
+        </p:blipFill>
+        <p:spPr bwMode="auto">
+          <a:xfrm>
+            <a:off x="2809875" y="0"/>
+            <a:ext cx="2985407" cy="2094241"/>
+          </a:xfrm>
+          <a:prstGeom prst="rect">
+            <a:avLst/>
+          </a:prstGeom>
+          <a:noFill/>
+          <a:extLst>
+            <a:ext uri="{909E8E84-426E-40DD-AFC4-6F175D3DCCD1}">
+              <a14:hiddenFill xmlns:a14="http://schemas.microsoft.com/office/drawing/2010/main">
+                <a:solidFill>
+                  <a:srgbClr val="FFFFFF"/>
+                </a:solidFill>
+              </a14:hiddenFill>
+            </a:ext>
+          </a:extLst>
+        </p:spPr>
+      </p:pic>
+      <p:pic>
+        <p:nvPicPr>
+          <p:cNvPr id="1030" name="Picture 6" descr="Vector Illustration of a Formidable Leader of the Vikings Stock Vector -  Illustration of hard, hauberk: 131143535">
+            <a:extLst>
+              <a:ext uri="{FF2B5EF4-FFF2-40B4-BE49-F238E27FC236}">
+                <a16:creationId xmlns:a16="http://schemas.microsoft.com/office/drawing/2014/main" id="{8327DD24-83AB-498F-BE80-61BAFE734B78}"/>
+              </a:ext>
+            </a:extLst>
+          </p:cNvPr>
+          <p:cNvPicPr>
+            <a:picLocks noChangeAspect="1" noChangeArrowheads="1"/>
+          </p:cNvPicPr>
+          <p:nvPr/>
+        </p:nvPicPr>
+        <p:blipFill>
+          <a:blip r:embed="rId4">
+            <a:extLst>
+              <a:ext uri="{28A0092B-C50C-407E-A947-70E740481C1C}">
+                <a14:useLocalDpi xmlns:a14="http://schemas.microsoft.com/office/drawing/2010/main" val="0"/>
+              </a:ext>
+            </a:extLst>
+          </a:blip>
+          <a:srcRect/>
+          <a:stretch>
+            <a:fillRect/>
+          </a:stretch>
+        </p:blipFill>
+        <p:spPr bwMode="auto">
+          <a:xfrm>
+            <a:off x="5795282" y="0"/>
+            <a:ext cx="1619250" cy="1714500"/>
+          </a:xfrm>
+          <a:prstGeom prst="rect">
+            <a:avLst/>
+          </a:prstGeom>
+          <a:noFill/>
+          <a:extLst>
+            <a:ext uri="{909E8E84-426E-40DD-AFC4-6F175D3DCCD1}">
+              <a14:hiddenFill xmlns:a14="http://schemas.microsoft.com/office/drawing/2010/main">
+                <a:solidFill>
+                  <a:srgbClr val="FFFFFF"/>
+                </a:solidFill>
+              </a14:hiddenFill>
+            </a:ext>
+          </a:extLst>
+        </p:spPr>
+      </p:pic>
+      <p:pic>
+        <p:nvPicPr>
+          <p:cNvPr id="1032" name="Picture 8" descr="Are there known Vikings or Viking rulers who became knights or even  chivalric kings during the Middle Ages? - Quora">
+            <a:extLst>
+              <a:ext uri="{FF2B5EF4-FFF2-40B4-BE49-F238E27FC236}">
+                <a16:creationId xmlns:a16="http://schemas.microsoft.com/office/drawing/2014/main" id="{1125F0E5-96C0-44B5-874E-789A6BA55CE8}"/>
+              </a:ext>
+            </a:extLst>
+          </p:cNvPr>
+          <p:cNvPicPr>
+            <a:picLocks noChangeAspect="1" noChangeArrowheads="1"/>
+          </p:cNvPicPr>
+          <p:nvPr/>
+        </p:nvPicPr>
+        <p:blipFill>
+          <a:blip r:embed="rId5">
+            <a:extLst>
+              <a:ext uri="{28A0092B-C50C-407E-A947-70E740481C1C}">
+                <a14:useLocalDpi xmlns:a14="http://schemas.microsoft.com/office/drawing/2010/main" val="0"/>
+              </a:ext>
+            </a:extLst>
+          </a:blip>
+          <a:srcRect/>
+          <a:stretch>
+            <a:fillRect/>
+          </a:stretch>
+        </p:blipFill>
+        <p:spPr bwMode="auto">
+          <a:xfrm>
+            <a:off x="7364185" y="-10155"/>
+            <a:ext cx="1295400" cy="1914525"/>
+          </a:xfrm>
+          <a:prstGeom prst="rect">
+            <a:avLst/>
+          </a:prstGeom>
+          <a:noFill/>
+          <a:extLst>
+            <a:ext uri="{909E8E84-426E-40DD-AFC4-6F175D3DCCD1}">
+              <a14:hiddenFill xmlns:a14="http://schemas.microsoft.com/office/drawing/2010/main">
+                <a:solidFill>
+                  <a:srgbClr val="FFFFFF"/>
+                </a:solidFill>
+              </a14:hiddenFill>
+            </a:ext>
+          </a:extLst>
+        </p:spPr>
+      </p:pic>
+      <p:pic>
+        <p:nvPicPr>
+          <p:cNvPr id="1034" name="Picture 10" descr="Viking Minecraft Skins | NameMC">
+            <a:extLst>
+              <a:ext uri="{FF2B5EF4-FFF2-40B4-BE49-F238E27FC236}">
+                <a16:creationId xmlns:a16="http://schemas.microsoft.com/office/drawing/2014/main" id="{DEEEEF10-EC78-4E89-9AB0-BB1BEA7F010F}"/>
+              </a:ext>
+            </a:extLst>
+          </p:cNvPr>
+          <p:cNvPicPr>
+            <a:picLocks noChangeAspect="1" noChangeArrowheads="1"/>
+          </p:cNvPicPr>
+          <p:nvPr/>
+        </p:nvPicPr>
+        <p:blipFill>
+          <a:blip r:embed="rId6">
+            <a:extLst>
+              <a:ext uri="{28A0092B-C50C-407E-A947-70E740481C1C}">
+                <a14:useLocalDpi xmlns:a14="http://schemas.microsoft.com/office/drawing/2010/main" val="0"/>
+              </a:ext>
+            </a:extLst>
+          </a:blip>
+          <a:srcRect/>
+          <a:stretch>
+            <a:fillRect/>
+          </a:stretch>
+        </p:blipFill>
+        <p:spPr bwMode="auto">
+          <a:xfrm>
+            <a:off x="6710375" y="1827541"/>
+            <a:ext cx="1714500" cy="1714500"/>
+          </a:xfrm>
+          <a:prstGeom prst="rect">
+            <a:avLst/>
+          </a:prstGeom>
+          <a:noFill/>
+          <a:extLst>
+            <a:ext uri="{909E8E84-426E-40DD-AFC4-6F175D3DCCD1}">
+              <a14:hiddenFill xmlns:a14="http://schemas.microsoft.com/office/drawing/2010/main">
+                <a:solidFill>
+                  <a:srgbClr val="FFFFFF"/>
+                </a:solidFill>
+              </a14:hiddenFill>
+            </a:ext>
+          </a:extLst>
+        </p:spPr>
+      </p:pic>
+      <p:pic>
+        <p:nvPicPr>
+          <p:cNvPr id="1036" name="Picture 12" descr="viking | Nova Skin">
+            <a:extLst>
+              <a:ext uri="{FF2B5EF4-FFF2-40B4-BE49-F238E27FC236}">
+                <a16:creationId xmlns:a16="http://schemas.microsoft.com/office/drawing/2014/main" id="{45F93A4C-6634-4405-A404-D9633244218F}"/>
+              </a:ext>
+            </a:extLst>
+          </p:cNvPr>
+          <p:cNvPicPr>
+            <a:picLocks noChangeAspect="1" noChangeArrowheads="1"/>
+          </p:cNvPicPr>
+          <p:nvPr/>
+        </p:nvPicPr>
+        <p:blipFill>
+          <a:blip r:embed="rId7">
+            <a:extLst>
+              <a:ext uri="{28A0092B-C50C-407E-A947-70E740481C1C}">
+                <a14:useLocalDpi xmlns:a14="http://schemas.microsoft.com/office/drawing/2010/main" val="0"/>
+              </a:ext>
+            </a:extLst>
+          </a:blip>
+          <a:srcRect/>
+          <a:stretch>
+            <a:fillRect/>
+          </a:stretch>
+        </p:blipFill>
+        <p:spPr bwMode="auto">
+          <a:xfrm>
+            <a:off x="8244637" y="1771020"/>
+            <a:ext cx="923925" cy="1905000"/>
+          </a:xfrm>
+          <a:prstGeom prst="rect">
+            <a:avLst/>
+          </a:prstGeom>
+          <a:noFill/>
+          <a:extLst>
+            <a:ext uri="{909E8E84-426E-40DD-AFC4-6F175D3DCCD1}">
+              <a14:hiddenFill xmlns:a14="http://schemas.microsoft.com/office/drawing/2010/main">
+                <a:solidFill>
+                  <a:srgbClr val="FFFFFF"/>
+                </a:solidFill>
+              </a14:hiddenFill>
+            </a:ext>
+          </a:extLst>
+        </p:spPr>
+      </p:pic>
+      <p:pic>
+        <p:nvPicPr>
+          <p:cNvPr id="1038" name="Picture 14" descr="Viking | Minecraft Skins">
+            <a:extLst>
+              <a:ext uri="{FF2B5EF4-FFF2-40B4-BE49-F238E27FC236}">
+                <a16:creationId xmlns:a16="http://schemas.microsoft.com/office/drawing/2014/main" id="{9D369E12-4B6C-4E4F-A81D-1E5DF77A0A0D}"/>
+              </a:ext>
+            </a:extLst>
+          </p:cNvPr>
+          <p:cNvPicPr>
+            <a:picLocks noChangeAspect="1" noChangeArrowheads="1"/>
+          </p:cNvPicPr>
+          <p:nvPr/>
+        </p:nvPicPr>
+        <p:blipFill>
+          <a:blip r:embed="rId8">
+            <a:extLst>
+              <a:ext uri="{28A0092B-C50C-407E-A947-70E740481C1C}">
+                <a14:useLocalDpi xmlns:a14="http://schemas.microsoft.com/office/drawing/2010/main" val="0"/>
+              </a:ext>
+            </a:extLst>
+          </a:blip>
+          <a:srcRect/>
+          <a:stretch>
+            <a:fillRect/>
+          </a:stretch>
+        </p:blipFill>
+        <p:spPr bwMode="auto">
+          <a:xfrm>
+            <a:off x="3344025" y="2094241"/>
+            <a:ext cx="1933575" cy="1724025"/>
+          </a:xfrm>
+          <a:prstGeom prst="rect">
+            <a:avLst/>
+          </a:prstGeom>
+          <a:noFill/>
+          <a:extLst>
+            <a:ext uri="{909E8E84-426E-40DD-AFC4-6F175D3DCCD1}">
+              <a14:hiddenFill xmlns:a14="http://schemas.microsoft.com/office/drawing/2010/main">
+                <a:solidFill>
+                  <a:srgbClr val="FFFFFF"/>
+                </a:solidFill>
+              </a14:hiddenFill>
+            </a:ext>
+          </a:extLst>
+        </p:spPr>
+      </p:pic>
+      <p:pic>
+        <p:nvPicPr>
+          <p:cNvPr id="1040" name="Picture 16" descr="Minecraft Norse Mythology Skins, HD Png Download - kindpng">
+            <a:extLst>
+              <a:ext uri="{FF2B5EF4-FFF2-40B4-BE49-F238E27FC236}">
+                <a16:creationId xmlns:a16="http://schemas.microsoft.com/office/drawing/2014/main" id="{43654411-2347-46C4-9EC2-6F795FF05E1C}"/>
+              </a:ext>
+            </a:extLst>
+          </p:cNvPr>
+          <p:cNvPicPr>
+            <a:picLocks noChangeAspect="1" noChangeArrowheads="1"/>
+          </p:cNvPicPr>
+          <p:nvPr/>
+        </p:nvPicPr>
+        <p:blipFill>
+          <a:blip r:embed="rId9">
+            <a:extLst>
+              <a:ext uri="{28A0092B-C50C-407E-A947-70E740481C1C}">
+                <a14:useLocalDpi xmlns:a14="http://schemas.microsoft.com/office/drawing/2010/main" val="0"/>
+              </a:ext>
+            </a:extLst>
+          </a:blip>
+          <a:srcRect/>
+          <a:stretch>
+            <a:fillRect/>
+          </a:stretch>
+        </p:blipFill>
+        <p:spPr bwMode="auto">
+          <a:xfrm>
+            <a:off x="64749" y="3429000"/>
+            <a:ext cx="3095625" cy="1476375"/>
+          </a:xfrm>
+          <a:prstGeom prst="rect">
+            <a:avLst/>
+          </a:prstGeom>
+          <a:noFill/>
+          <a:extLst>
+            <a:ext uri="{909E8E84-426E-40DD-AFC4-6F175D3DCCD1}">
+              <a14:hiddenFill xmlns:a14="http://schemas.microsoft.com/office/drawing/2010/main">
+                <a:solidFill>
+                  <a:srgbClr val="FFFFFF"/>
+                </a:solidFill>
+              </a14:hiddenFill>
+            </a:ext>
+          </a:extLst>
+        </p:spPr>
+      </p:pic>
+      <p:pic>
+        <p:nvPicPr>
+          <p:cNvPr id="1042" name="Picture 18" descr="Minecraft Norse Mythology Skin, HD Png Download , Transparent Png Image -  PNGitem">
+            <a:extLst>
+              <a:ext uri="{FF2B5EF4-FFF2-40B4-BE49-F238E27FC236}">
+                <a16:creationId xmlns:a16="http://schemas.microsoft.com/office/drawing/2014/main" id="{AE5B99B6-795E-42AE-858C-04793FB4E82F}"/>
+              </a:ext>
+            </a:extLst>
+          </p:cNvPr>
+          <p:cNvPicPr>
+            <a:picLocks noChangeAspect="1" noChangeArrowheads="1"/>
+          </p:cNvPicPr>
+          <p:nvPr/>
+        </p:nvPicPr>
+        <p:blipFill>
+          <a:blip r:embed="rId10">
+            <a:extLst>
+              <a:ext uri="{28A0092B-C50C-407E-A947-70E740481C1C}">
+                <a14:useLocalDpi xmlns:a14="http://schemas.microsoft.com/office/drawing/2010/main" val="0"/>
+              </a:ext>
+            </a:extLst>
+          </a:blip>
+          <a:srcRect/>
+          <a:stretch>
+            <a:fillRect/>
+          </a:stretch>
+        </p:blipFill>
+        <p:spPr bwMode="auto">
+          <a:xfrm>
+            <a:off x="66676" y="2094241"/>
+            <a:ext cx="3181350" cy="1447800"/>
+          </a:xfrm>
+          <a:prstGeom prst="rect">
+            <a:avLst/>
+          </a:prstGeom>
+          <a:noFill/>
+          <a:extLst>
+            <a:ext uri="{909E8E84-426E-40DD-AFC4-6F175D3DCCD1}">
+              <a14:hiddenFill xmlns:a14="http://schemas.microsoft.com/office/drawing/2010/main">
+                <a:solidFill>
+                  <a:srgbClr val="FFFFFF"/>
+                </a:solidFill>
+              </a14:hiddenFill>
+            </a:ext>
+          </a:extLst>
+        </p:spPr>
+      </p:pic>
+      <p:pic>
+        <p:nvPicPr>
+          <p:cNvPr id="1044" name="Picture 20" descr="Viking – Minecraft Skins">
+            <a:extLst>
+              <a:ext uri="{FF2B5EF4-FFF2-40B4-BE49-F238E27FC236}">
+                <a16:creationId xmlns:a16="http://schemas.microsoft.com/office/drawing/2014/main" id="{3E7F9CCE-409D-452A-B340-B453AE6D03B1}"/>
+              </a:ext>
+            </a:extLst>
+          </p:cNvPr>
+          <p:cNvPicPr>
+            <a:picLocks noChangeAspect="1" noChangeArrowheads="1"/>
+          </p:cNvPicPr>
+          <p:nvPr/>
+        </p:nvPicPr>
+        <p:blipFill>
+          <a:blip r:embed="rId11">
+            <a:extLst>
+              <a:ext uri="{28A0092B-C50C-407E-A947-70E740481C1C}">
+                <a14:useLocalDpi xmlns:a14="http://schemas.microsoft.com/office/drawing/2010/main" val="0"/>
+              </a:ext>
+            </a:extLst>
+          </a:blip>
+          <a:srcRect/>
+          <a:stretch>
+            <a:fillRect/>
+          </a:stretch>
+        </p:blipFill>
+        <p:spPr bwMode="auto">
+          <a:xfrm>
+            <a:off x="9224282" y="1400174"/>
+            <a:ext cx="2809875" cy="1638300"/>
+          </a:xfrm>
+          <a:prstGeom prst="rect">
+            <a:avLst/>
+          </a:prstGeom>
+          <a:noFill/>
+          <a:extLst>
+            <a:ext uri="{909E8E84-426E-40DD-AFC4-6F175D3DCCD1}">
+              <a14:hiddenFill xmlns:a14="http://schemas.microsoft.com/office/drawing/2010/main">
+                <a:solidFill>
+                  <a:srgbClr val="FFFFFF"/>
+                </a:solidFill>
+              </a14:hiddenFill>
+            </a:ext>
+          </a:extLst>
+        </p:spPr>
+      </p:pic>
+      <p:pic>
+        <p:nvPicPr>
+          <p:cNvPr id="5" name="Picture 24" descr="Minecraft Skin pack: Viking Minecraft Skindex">
+            <a:extLst>
+              <a:ext uri="{FF2B5EF4-FFF2-40B4-BE49-F238E27FC236}">
+                <a16:creationId xmlns:a16="http://schemas.microsoft.com/office/drawing/2014/main" id="{1047301B-9862-45FF-A55B-10BE99AE7966}"/>
+              </a:ext>
+            </a:extLst>
+          </p:cNvPr>
+          <p:cNvPicPr>
+            <a:picLocks noChangeAspect="1" noChangeArrowheads="1"/>
+          </p:cNvPicPr>
+          <p:nvPr/>
+        </p:nvPicPr>
+        <p:blipFill>
+          <a:blip r:embed="rId12">
+            <a:extLst>
+              <a:ext uri="{28A0092B-C50C-407E-A947-70E740481C1C}">
+                <a14:useLocalDpi xmlns:a14="http://schemas.microsoft.com/office/drawing/2010/main" val="0"/>
+              </a:ext>
+            </a:extLst>
+          </a:blip>
+          <a:srcRect/>
+          <a:stretch>
+            <a:fillRect/>
+          </a:stretch>
+        </p:blipFill>
+        <p:spPr bwMode="auto">
+          <a:xfrm>
+            <a:off x="8659585" y="114299"/>
+            <a:ext cx="1714500" cy="1285875"/>
+          </a:xfrm>
+          <a:prstGeom prst="rect">
+            <a:avLst/>
+          </a:prstGeom>
+          <a:noFill/>
+          <a:extLst>
+            <a:ext uri="{909E8E84-426E-40DD-AFC4-6F175D3DCCD1}">
+              <a14:hiddenFill xmlns:a14="http://schemas.microsoft.com/office/drawing/2010/main">
+                <a:solidFill>
+                  <a:srgbClr val="FFFFFF"/>
+                </a:solidFill>
+              </a14:hiddenFill>
+            </a:ext>
+          </a:extLst>
+        </p:spPr>
+      </p:pic>
+      <p:pic>
+        <p:nvPicPr>
+          <p:cNvPr id="1050" name="Picture 26" descr="Norse Mythology Bonus Skin Pack in Minecraft">
+            <a:extLst>
+              <a:ext uri="{FF2B5EF4-FFF2-40B4-BE49-F238E27FC236}">
+                <a16:creationId xmlns:a16="http://schemas.microsoft.com/office/drawing/2014/main" id="{8BF8F0DC-C64C-4914-AB90-C54DD8B52314}"/>
+              </a:ext>
+            </a:extLst>
+          </p:cNvPr>
+          <p:cNvPicPr>
+            <a:picLocks noChangeAspect="1" noChangeArrowheads="1"/>
+          </p:cNvPicPr>
+          <p:nvPr/>
+        </p:nvPicPr>
+        <p:blipFill>
+          <a:blip r:embed="rId13">
+            <a:extLst>
+              <a:ext uri="{28A0092B-C50C-407E-A947-70E740481C1C}">
+                <a14:useLocalDpi xmlns:a14="http://schemas.microsoft.com/office/drawing/2010/main" val="0"/>
+              </a:ext>
+            </a:extLst>
+          </a:blip>
+          <a:srcRect/>
+          <a:stretch>
+            <a:fillRect/>
+          </a:stretch>
+        </p:blipFill>
+        <p:spPr bwMode="auto">
+          <a:xfrm>
+            <a:off x="10995932" y="3262311"/>
+            <a:ext cx="1038225" cy="2124075"/>
+          </a:xfrm>
+          <a:prstGeom prst="rect">
+            <a:avLst/>
+          </a:prstGeom>
+          <a:noFill/>
+          <a:extLst>
+            <a:ext uri="{909E8E84-426E-40DD-AFC4-6F175D3DCCD1}">
+              <a14:hiddenFill xmlns:a14="http://schemas.microsoft.com/office/drawing/2010/main">
+                <a:solidFill>
+                  <a:srgbClr val="FFFFFF"/>
+                </a:solidFill>
+              </a14:hiddenFill>
+            </a:ext>
+          </a:extLst>
+        </p:spPr>
+      </p:pic>
+      <p:pic>
+        <p:nvPicPr>
+          <p:cNvPr id="1052" name="Picture 28" descr="Minecraft Viking Warrior Norsemen Herobrine, PNG, 640x640px, Minecraft,  Armour, Fictional Character, Herobrine, Leather Download Free">
+            <a:extLst>
+              <a:ext uri="{FF2B5EF4-FFF2-40B4-BE49-F238E27FC236}">
+                <a16:creationId xmlns:a16="http://schemas.microsoft.com/office/drawing/2014/main" id="{C6477FC6-FA8C-4C25-908B-C5EB1F1EDD98}"/>
+              </a:ext>
+            </a:extLst>
+          </p:cNvPr>
+          <p:cNvPicPr>
+            <a:picLocks noChangeAspect="1" noChangeArrowheads="1"/>
+          </p:cNvPicPr>
+          <p:nvPr/>
+        </p:nvPicPr>
+        <p:blipFill>
+          <a:blip r:embed="rId14">
+            <a:extLst>
+              <a:ext uri="{28A0092B-C50C-407E-A947-70E740481C1C}">
+                <a14:useLocalDpi xmlns:a14="http://schemas.microsoft.com/office/drawing/2010/main" val="0"/>
+              </a:ext>
+            </a:extLst>
+          </a:blip>
+          <a:srcRect/>
+          <a:stretch>
+            <a:fillRect/>
+          </a:stretch>
+        </p:blipFill>
+        <p:spPr bwMode="auto">
+          <a:xfrm>
+            <a:off x="78654" y="4955540"/>
+            <a:ext cx="2381250" cy="1866900"/>
+          </a:xfrm>
+          <a:prstGeom prst="rect">
+            <a:avLst/>
+          </a:prstGeom>
+          <a:noFill/>
+          <a:extLst>
+            <a:ext uri="{909E8E84-426E-40DD-AFC4-6F175D3DCCD1}">
+              <a14:hiddenFill xmlns:a14="http://schemas.microsoft.com/office/drawing/2010/main">
+                <a:solidFill>
+                  <a:srgbClr val="FFFFFF"/>
+                </a:solidFill>
+              </a14:hiddenFill>
+            </a:ext>
+          </a:extLst>
+        </p:spPr>
+      </p:pic>
+      <p:pic>
+        <p:nvPicPr>
+          <p:cNvPr id="1054" name="Picture 30" descr="NO SPOILERS] Not sure if this was posted here but the Norse Mythology  Mash-Up Pack on minecraft bedrock edition has skins of Ragnar, Bjorn,  Aslaug, Sigurd, Floki, Lagertha and Rollo. : r/vikingstv">
+            <a:extLst>
+              <a:ext uri="{FF2B5EF4-FFF2-40B4-BE49-F238E27FC236}">
+                <a16:creationId xmlns:a16="http://schemas.microsoft.com/office/drawing/2014/main" id="{4A525F71-0CC3-465F-9736-186F1AA95B6F}"/>
+              </a:ext>
+            </a:extLst>
+          </p:cNvPr>
+          <p:cNvPicPr>
+            <a:picLocks noChangeAspect="1" noChangeArrowheads="1"/>
+          </p:cNvPicPr>
+          <p:nvPr/>
+        </p:nvPicPr>
+        <p:blipFill>
+          <a:blip r:embed="rId15">
+            <a:extLst>
+              <a:ext uri="{28A0092B-C50C-407E-A947-70E740481C1C}">
+                <a14:useLocalDpi xmlns:a14="http://schemas.microsoft.com/office/drawing/2010/main" val="0"/>
+              </a:ext>
+            </a:extLst>
+          </a:blip>
+          <a:srcRect/>
+          <a:stretch>
+            <a:fillRect/>
+          </a:stretch>
+        </p:blipFill>
+        <p:spPr bwMode="auto">
+          <a:xfrm>
+            <a:off x="8424875" y="5455301"/>
+            <a:ext cx="3600450" cy="1276350"/>
+          </a:xfrm>
+          <a:prstGeom prst="rect">
+            <a:avLst/>
+          </a:prstGeom>
+          <a:noFill/>
+          <a:extLst>
+            <a:ext uri="{909E8E84-426E-40DD-AFC4-6F175D3DCCD1}">
+              <a14:hiddenFill xmlns:a14="http://schemas.microsoft.com/office/drawing/2010/main">
+                <a:solidFill>
+                  <a:srgbClr val="FFFFFF"/>
+                </a:solidFill>
+              </a14:hiddenFill>
+            </a:ext>
+          </a:extLst>
+        </p:spPr>
+      </p:pic>
+      <p:pic>
+        <p:nvPicPr>
+          <p:cNvPr id="1056" name="Picture 32">
+            <a:extLst>
+              <a:ext uri="{FF2B5EF4-FFF2-40B4-BE49-F238E27FC236}">
+                <a16:creationId xmlns:a16="http://schemas.microsoft.com/office/drawing/2014/main" id="{07B44324-16E1-49FE-9894-CEAA5E85FDF3}"/>
+              </a:ext>
+            </a:extLst>
+          </p:cNvPr>
+          <p:cNvPicPr>
+            <a:picLocks noChangeAspect="1" noChangeArrowheads="1"/>
+          </p:cNvPicPr>
+          <p:nvPr/>
+        </p:nvPicPr>
+        <p:blipFill>
+          <a:blip r:embed="rId16">
+            <a:extLst>
+              <a:ext uri="{28A0092B-C50C-407E-A947-70E740481C1C}">
+                <a14:useLocalDpi xmlns:a14="http://schemas.microsoft.com/office/drawing/2010/main" val="0"/>
+              </a:ext>
+            </a:extLst>
+          </a:blip>
+          <a:srcRect/>
+          <a:stretch>
+            <a:fillRect/>
+          </a:stretch>
+        </p:blipFill>
+        <p:spPr bwMode="auto">
+          <a:xfrm>
+            <a:off x="2809875" y="4905375"/>
+            <a:ext cx="2028825" cy="1933575"/>
+          </a:xfrm>
+          <a:prstGeom prst="rect">
+            <a:avLst/>
+          </a:prstGeom>
+          <a:noFill/>
+          <a:extLst>
+            <a:ext uri="{909E8E84-426E-40DD-AFC4-6F175D3DCCD1}">
+              <a14:hiddenFill xmlns:a14="http://schemas.microsoft.com/office/drawing/2010/main">
+                <a:solidFill>
+                  <a:srgbClr val="FFFFFF"/>
+                </a:solidFill>
+              </a14:hiddenFill>
+            </a:ext>
+          </a:extLst>
+        </p:spPr>
+      </p:pic>
+      <p:pic>
+        <p:nvPicPr>
+          <p:cNvPr id="1058" name="Picture 34" descr="Viking - Minecraft Skins, HD Png Download - 804x576(#2755822) - PngFind">
+            <a:extLst>
+              <a:ext uri="{FF2B5EF4-FFF2-40B4-BE49-F238E27FC236}">
+                <a16:creationId xmlns:a16="http://schemas.microsoft.com/office/drawing/2014/main" id="{1B60167D-ACD2-41C9-8B12-AD70928CDBBB}"/>
+              </a:ext>
+            </a:extLst>
+          </p:cNvPr>
+          <p:cNvPicPr>
+            <a:picLocks noChangeAspect="1" noChangeArrowheads="1"/>
+          </p:cNvPicPr>
+          <p:nvPr/>
+        </p:nvPicPr>
+        <p:blipFill>
+          <a:blip r:embed="rId17">
+            <a:extLst>
+              <a:ext uri="{28A0092B-C50C-407E-A947-70E740481C1C}">
+                <a14:useLocalDpi xmlns:a14="http://schemas.microsoft.com/office/drawing/2010/main" val="0"/>
+              </a:ext>
+            </a:extLst>
+          </a:blip>
+          <a:srcRect/>
+          <a:stretch>
+            <a:fillRect/>
+          </a:stretch>
+        </p:blipFill>
+        <p:spPr bwMode="auto">
+          <a:xfrm>
+            <a:off x="8437714" y="3590324"/>
+            <a:ext cx="2238375" cy="1724025"/>
+          </a:xfrm>
+          <a:prstGeom prst="rect">
+            <a:avLst/>
+          </a:prstGeom>
+          <a:noFill/>
+          <a:extLst>
+            <a:ext uri="{909E8E84-426E-40DD-AFC4-6F175D3DCCD1}">
+              <a14:hiddenFill xmlns:a14="http://schemas.microsoft.com/office/drawing/2010/main">
+                <a:solidFill>
+                  <a:srgbClr val="FFFFFF"/>
+                </a:solidFill>
+              </a14:hiddenFill>
+            </a:ext>
+          </a:extLst>
+        </p:spPr>
+      </p:pic>
+      <p:pic>
+        <p:nvPicPr>
+          <p:cNvPr id="1060" name="Picture 36" descr="Nordic Viking Minecraft Skin">
+            <a:extLst>
+              <a:ext uri="{FF2B5EF4-FFF2-40B4-BE49-F238E27FC236}">
+                <a16:creationId xmlns:a16="http://schemas.microsoft.com/office/drawing/2014/main" id="{E93AA572-902D-435C-B62C-A07D30A7A753}"/>
+              </a:ext>
+            </a:extLst>
+          </p:cNvPr>
+          <p:cNvPicPr>
+            <a:picLocks noChangeAspect="1" noChangeArrowheads="1"/>
+          </p:cNvPicPr>
+          <p:nvPr/>
+        </p:nvPicPr>
+        <p:blipFill>
+          <a:blip r:embed="rId18">
+            <a:extLst>
+              <a:ext uri="{28A0092B-C50C-407E-A947-70E740481C1C}">
+                <a14:useLocalDpi xmlns:a14="http://schemas.microsoft.com/office/drawing/2010/main" val="0"/>
+              </a:ext>
+            </a:extLst>
+          </a:blip>
+          <a:srcRect/>
+          <a:stretch>
+            <a:fillRect/>
+          </a:stretch>
+        </p:blipFill>
+        <p:spPr bwMode="auto">
+          <a:xfrm>
+            <a:off x="5858979" y="5465450"/>
+            <a:ext cx="2438400" cy="1390650"/>
+          </a:xfrm>
+          <a:prstGeom prst="rect">
+            <a:avLst/>
+          </a:prstGeom>
+          <a:noFill/>
+          <a:extLst>
+            <a:ext uri="{909E8E84-426E-40DD-AFC4-6F175D3DCCD1}">
+              <a14:hiddenFill xmlns:a14="http://schemas.microsoft.com/office/drawing/2010/main">
+                <a:solidFill>
+                  <a:srgbClr val="FFFFFF"/>
+                </a:solidFill>
+              </a14:hiddenFill>
+            </a:ext>
+          </a:extLst>
+        </p:spPr>
+      </p:pic>
+      <p:pic>
+        <p:nvPicPr>
+          <p:cNvPr id="1062" name="Picture 38" descr="Ragnar Lothbrok | Minecraft Skin">
+            <a:extLst>
+              <a:ext uri="{FF2B5EF4-FFF2-40B4-BE49-F238E27FC236}">
+                <a16:creationId xmlns:a16="http://schemas.microsoft.com/office/drawing/2014/main" id="{60FEDAE7-B168-4023-9DED-B1EF83BE5A0B}"/>
+              </a:ext>
+            </a:extLst>
+          </p:cNvPr>
+          <p:cNvPicPr>
+            <a:picLocks noChangeAspect="1" noChangeArrowheads="1"/>
+          </p:cNvPicPr>
+          <p:nvPr/>
+        </p:nvPicPr>
+        <p:blipFill>
+          <a:blip r:embed="rId19">
+            <a:extLst>
+              <a:ext uri="{28A0092B-C50C-407E-A947-70E740481C1C}">
+                <a14:useLocalDpi xmlns:a14="http://schemas.microsoft.com/office/drawing/2010/main" val="0"/>
+              </a:ext>
+            </a:extLst>
+          </a:blip>
+          <a:srcRect/>
+          <a:stretch>
+            <a:fillRect/>
+          </a:stretch>
+        </p:blipFill>
+        <p:spPr bwMode="auto">
+          <a:xfrm>
+            <a:off x="5261882" y="3416946"/>
+            <a:ext cx="2152650" cy="1914525"/>
+          </a:xfrm>
+          <a:prstGeom prst="rect">
+            <a:avLst/>
+          </a:prstGeom>
+          <a:noFill/>
+          <a:extLst>
+            <a:ext uri="{909E8E84-426E-40DD-AFC4-6F175D3DCCD1}">
+              <a14:hiddenFill xmlns:a14="http://schemas.microsoft.com/office/drawing/2010/main">
+                <a:solidFill>
+                  <a:srgbClr val="FFFFFF"/>
+                </a:solidFill>
+              </a14:hiddenFill>
+            </a:ext>
+          </a:extLst>
+        </p:spPr>
+      </p:pic>
+    </p:spTree>
+    <p:extLst>
+      <p:ext uri="{BB962C8B-B14F-4D97-AF65-F5344CB8AC3E}">
+        <p14:creationId xmlns:p14="http://schemas.microsoft.com/office/powerpoint/2010/main" val="197210849"/>
+      </p:ext>
+    </p:extLst>
+  </p:cSld>
+  <p:clrMapOvr>
+    <a:masterClrMapping/>
+  </p:clrMapOvr>
+</p:sld>
+</file>
+
 <file path=ppt/theme/theme1.xml><?xml version="1.0" encoding="utf-8"?>
 <a:theme xmlns:a="http://schemas.openxmlformats.org/drawingml/2006/main" name="Office Theme">
   <a:themeElements>
